--- a/Sem_6/NLP/Unit-4/UNit 4.pptx
+++ b/Sem_6/NLP/Unit-4/UNit 4.pptx
@@ -159,6 +159,11 @@
       </a:defRPr>
     </a:lvl9pPr>
   </p:defaultTextStyle>
+  <p:extLst>
+    <p:ext uri="{EFAFB233-063F-42B5-8137-9DF3F51BA10A}">
+      <p15:sldGuideLst xmlns:p15="http://schemas.microsoft.com/office/powerpoint/2012/main"/>
+    </p:ext>
+  </p:extLst>
 </p:presentation>
 </file>
 
@@ -311,7 +316,7 @@
           <a:p>
             <a:fld id="{824FCD57-8923-4380-9338-3A0C8C0BA06E}" type="datetimeFigureOut">
               <a:rPr lang="en-IN" smtClean="0"/>
-              <a:t>27-04-2024</a:t>
+              <a:t>02-05-2024</a:t>
             </a:fld>
             <a:endParaRPr lang="en-IN"/>
           </a:p>
@@ -511,7 +516,7 @@
           <a:p>
             <a:fld id="{824FCD57-8923-4380-9338-3A0C8C0BA06E}" type="datetimeFigureOut">
               <a:rPr lang="en-IN" smtClean="0"/>
-              <a:t>27-04-2024</a:t>
+              <a:t>02-05-2024</a:t>
             </a:fld>
             <a:endParaRPr lang="en-IN"/>
           </a:p>
@@ -721,7 +726,7 @@
           <a:p>
             <a:fld id="{824FCD57-8923-4380-9338-3A0C8C0BA06E}" type="datetimeFigureOut">
               <a:rPr lang="en-IN" smtClean="0"/>
-              <a:t>27-04-2024</a:t>
+              <a:t>02-05-2024</a:t>
             </a:fld>
             <a:endParaRPr lang="en-IN"/>
           </a:p>
@@ -921,7 +926,7 @@
           <a:p>
             <a:fld id="{824FCD57-8923-4380-9338-3A0C8C0BA06E}" type="datetimeFigureOut">
               <a:rPr lang="en-IN" smtClean="0"/>
-              <a:t>27-04-2024</a:t>
+              <a:t>02-05-2024</a:t>
             </a:fld>
             <a:endParaRPr lang="en-IN"/>
           </a:p>
@@ -1197,7 +1202,7 @@
           <a:p>
             <a:fld id="{824FCD57-8923-4380-9338-3A0C8C0BA06E}" type="datetimeFigureOut">
               <a:rPr lang="en-IN" smtClean="0"/>
-              <a:t>27-04-2024</a:t>
+              <a:t>02-05-2024</a:t>
             </a:fld>
             <a:endParaRPr lang="en-IN"/>
           </a:p>
@@ -1465,7 +1470,7 @@
           <a:p>
             <a:fld id="{824FCD57-8923-4380-9338-3A0C8C0BA06E}" type="datetimeFigureOut">
               <a:rPr lang="en-IN" smtClean="0"/>
-              <a:t>27-04-2024</a:t>
+              <a:t>02-05-2024</a:t>
             </a:fld>
             <a:endParaRPr lang="en-IN"/>
           </a:p>
@@ -1880,7 +1885,7 @@
           <a:p>
             <a:fld id="{824FCD57-8923-4380-9338-3A0C8C0BA06E}" type="datetimeFigureOut">
               <a:rPr lang="en-IN" smtClean="0"/>
-              <a:t>27-04-2024</a:t>
+              <a:t>02-05-2024</a:t>
             </a:fld>
             <a:endParaRPr lang="en-IN"/>
           </a:p>
@@ -2022,7 +2027,7 @@
           <a:p>
             <a:fld id="{824FCD57-8923-4380-9338-3A0C8C0BA06E}" type="datetimeFigureOut">
               <a:rPr lang="en-IN" smtClean="0"/>
-              <a:t>27-04-2024</a:t>
+              <a:t>02-05-2024</a:t>
             </a:fld>
             <a:endParaRPr lang="en-IN"/>
           </a:p>
@@ -2135,7 +2140,7 @@
           <a:p>
             <a:fld id="{824FCD57-8923-4380-9338-3A0C8C0BA06E}" type="datetimeFigureOut">
               <a:rPr lang="en-IN" smtClean="0"/>
-              <a:t>27-04-2024</a:t>
+              <a:t>02-05-2024</a:t>
             </a:fld>
             <a:endParaRPr lang="en-IN"/>
           </a:p>
@@ -2448,7 +2453,7 @@
           <a:p>
             <a:fld id="{824FCD57-8923-4380-9338-3A0C8C0BA06E}" type="datetimeFigureOut">
               <a:rPr lang="en-IN" smtClean="0"/>
-              <a:t>27-04-2024</a:t>
+              <a:t>02-05-2024</a:t>
             </a:fld>
             <a:endParaRPr lang="en-IN"/>
           </a:p>
@@ -2737,7 +2742,7 @@
           <a:p>
             <a:fld id="{824FCD57-8923-4380-9338-3A0C8C0BA06E}" type="datetimeFigureOut">
               <a:rPr lang="en-IN" smtClean="0"/>
-              <a:t>27-04-2024</a:t>
+              <a:t>02-05-2024</a:t>
             </a:fld>
             <a:endParaRPr lang="en-IN"/>
           </a:p>
@@ -2980,7 +2985,7 @@
           <a:p>
             <a:fld id="{824FCD57-8923-4380-9338-3A0C8C0BA06E}" type="datetimeFigureOut">
               <a:rPr lang="en-IN" smtClean="0"/>
-              <a:t>27-04-2024</a:t>
+              <a:t>02-05-2024</a:t>
             </a:fld>
             <a:endParaRPr lang="en-IN"/>
           </a:p>
@@ -4003,7 +4008,7 @@
         </p:blipFill>
         <p:spPr bwMode="auto">
           <a:xfrm>
-            <a:off x="4572000" y="4800601"/>
+            <a:off x="4548186" y="4800599"/>
             <a:ext cx="6248400" cy="1928813"/>
           </a:xfrm>
           <a:prstGeom prst="rect">
@@ -4050,8 +4055,8 @@
         </p:nvSpPr>
         <p:spPr bwMode="auto">
           <a:xfrm>
-            <a:off x="1562100" y="5029200"/>
-            <a:ext cx="3009900" cy="1754188"/>
+            <a:off x="8943605" y="4064003"/>
+            <a:ext cx="3205165" cy="1526380"/>
           </a:xfrm>
           <a:prstGeom prst="rect">
             <a:avLst/>
@@ -4081,7 +4086,7 @@
           </a:extLst>
         </p:spPr>
         <p:txBody>
-          <a:bodyPr>
+          <a:bodyPr wrap="square">
             <a:spAutoFit/>
           </a:bodyPr>
           <a:lstStyle>
@@ -4194,15 +4199,15 @@
           <a:p>
             <a:pPr eaLnBrk="1" hangingPunct="1"/>
             <a:r>
-              <a:rPr lang="en-US" altLang="en-US" sz="1800"/>
+              <a:rPr lang="en-US" altLang="en-US" sz="1800" dirty="0"/>
               <a:t>The core idea is this cell state C</a:t>
             </a:r>
             <a:r>
-              <a:rPr lang="en-US" altLang="en-US" sz="1800" baseline="-25000"/>
+              <a:rPr lang="en-US" altLang="en-US" sz="1800" baseline="-25000" dirty="0"/>
               <a:t>t</a:t>
             </a:r>
             <a:r>
-              <a:rPr lang="en-US" altLang="en-US" sz="1800"/>
+              <a:rPr lang="en-US" altLang="en-US" sz="1800" dirty="0"/>
               <a:t>, it is changed slowly, with only minor linear interactions. It is very easy for information to flow along it unchanged.</a:t>
             </a:r>
           </a:p>
@@ -4566,7 +4571,7 @@
         </p:nvSpPr>
         <p:spPr bwMode="auto">
           <a:xfrm>
-            <a:off x="4343401" y="685801"/>
+            <a:off x="4364832" y="440413"/>
             <a:ext cx="2443163" cy="923925"/>
           </a:xfrm>
           <a:prstGeom prst="rect">
@@ -4710,21 +4715,21 @@
           <a:p>
             <a:pPr eaLnBrk="1" hangingPunct="1"/>
             <a:r>
-              <a:rPr lang="en-US" altLang="en-US" sz="1800"/>
+              <a:rPr lang="en-US" altLang="en-US" sz="1800" dirty="0"/>
               <a:t>This sigmoid gate </a:t>
             </a:r>
           </a:p>
           <a:p>
             <a:pPr eaLnBrk="1" hangingPunct="1"/>
             <a:r>
-              <a:rPr lang="en-US" altLang="en-US" sz="1800"/>
+              <a:rPr lang="en-US" altLang="en-US" sz="1800" dirty="0"/>
               <a:t>determines how much</a:t>
             </a:r>
           </a:p>
           <a:p>
             <a:pPr eaLnBrk="1" hangingPunct="1"/>
             <a:r>
-              <a:rPr lang="en-US" altLang="en-US" sz="1800"/>
+              <a:rPr lang="en-US" altLang="en-US" sz="1800" dirty="0"/>
               <a:t>information goes thru</a:t>
             </a:r>
           </a:p>
@@ -4793,7 +4798,7 @@
         </p:nvSpPr>
         <p:spPr bwMode="auto">
           <a:xfrm>
-            <a:off x="4191000" y="762001"/>
+            <a:off x="9252345" y="518319"/>
             <a:ext cx="2687638" cy="646113"/>
           </a:xfrm>
           <a:prstGeom prst="rect">
@@ -4937,14 +4942,14 @@
           <a:p>
             <a:pPr eaLnBrk="1" hangingPunct="1"/>
             <a:r>
-              <a:rPr lang="en-US" altLang="en-US" sz="1800"/>
+              <a:rPr lang="en-US" altLang="en-US" sz="1800" dirty="0"/>
               <a:t>This decides what info</a:t>
             </a:r>
           </a:p>
           <a:p>
             <a:pPr eaLnBrk="1" hangingPunct="1"/>
             <a:r>
-              <a:rPr lang="en-US" altLang="en-US" sz="1800"/>
+              <a:rPr lang="en-US" altLang="en-US" sz="1800" dirty="0"/>
               <a:t>Is to add to the cell state</a:t>
             </a:r>
           </a:p>
@@ -5013,7 +5018,7 @@
         </p:nvSpPr>
         <p:spPr bwMode="auto">
           <a:xfrm>
-            <a:off x="4572000" y="609601"/>
+            <a:off x="7269162" y="379414"/>
             <a:ext cx="1892300" cy="923925"/>
           </a:xfrm>
           <a:prstGeom prst="rect">
@@ -5157,21 +5162,21 @@
           <a:p>
             <a:pPr eaLnBrk="1" hangingPunct="1"/>
             <a:r>
-              <a:rPr lang="en-US" altLang="en-US" sz="1800"/>
+              <a:rPr lang="en-US" altLang="en-US" sz="1800" dirty="0"/>
               <a:t>Output gate </a:t>
             </a:r>
           </a:p>
           <a:p>
             <a:pPr eaLnBrk="1" hangingPunct="1"/>
             <a:r>
-              <a:rPr lang="en-US" altLang="en-US" sz="1800"/>
+              <a:rPr lang="en-US" altLang="en-US" sz="1800" dirty="0"/>
               <a:t>Controls what </a:t>
             </a:r>
           </a:p>
           <a:p>
             <a:pPr eaLnBrk="1" hangingPunct="1"/>
             <a:r>
-              <a:rPr lang="en-US" altLang="en-US" sz="1800"/>
+              <a:rPr lang="en-US" altLang="en-US" sz="1800" dirty="0"/>
               <a:t>goes into output</a:t>
             </a:r>
           </a:p>
@@ -5507,8 +5512,8 @@
         </p:nvSpPr>
         <p:spPr bwMode="auto">
           <a:xfrm>
-            <a:off x="1524000" y="5181601"/>
-            <a:ext cx="3233738" cy="1477963"/>
+            <a:off x="405181" y="5219700"/>
+            <a:ext cx="4395419" cy="1477328"/>
           </a:xfrm>
           <a:prstGeom prst="rect">
             <a:avLst/>
@@ -5538,7 +5543,7 @@
           </a:extLst>
         </p:spPr>
         <p:txBody>
-          <a:bodyPr wrap="none">
+          <a:bodyPr wrap="square">
             <a:spAutoFit/>
           </a:bodyPr>
           <a:lstStyle>
@@ -5651,7 +5656,7 @@
           <a:p>
             <a:pPr eaLnBrk="1" hangingPunct="1"/>
             <a:r>
-              <a:rPr lang="en-US" altLang="en-US" sz="1800">
+              <a:rPr lang="en-US" altLang="en-US" sz="1800" dirty="0">
                 <a:solidFill>
                   <a:srgbClr val="FF0000"/>
                 </a:solidFill>
@@ -5662,29 +5667,33 @@
           <a:p>
             <a:pPr eaLnBrk="1" hangingPunct="1"/>
             <a:r>
-              <a:rPr lang="en-US" altLang="en-US" sz="1800"/>
+              <a:rPr lang="en-US" altLang="en-US" sz="1800" dirty="0"/>
               <a:t>Sigmoid: 0,1 gating as switch.</a:t>
             </a:r>
           </a:p>
           <a:p>
             <a:pPr eaLnBrk="1" hangingPunct="1"/>
             <a:r>
-              <a:rPr lang="en-US" altLang="en-US" sz="1800"/>
+              <a:rPr lang="en-US" altLang="en-US" sz="1800" dirty="0"/>
               <a:t>Vanishing gradient problem in</a:t>
             </a:r>
           </a:p>
           <a:p>
             <a:pPr eaLnBrk="1" hangingPunct="1"/>
             <a:r>
-              <a:rPr lang="en-US" altLang="en-US" sz="1800"/>
+              <a:rPr lang="en-US" altLang="en-US" sz="1800" dirty="0"/>
               <a:t>LSTM is handled already.</a:t>
             </a:r>
           </a:p>
           <a:p>
             <a:pPr eaLnBrk="1" hangingPunct="1"/>
             <a:r>
-              <a:rPr lang="en-US" altLang="en-US" sz="1800"/>
-              <a:t>ReLU replaces tanh ok? </a:t>
+              <a:rPr lang="en-US" altLang="en-US" sz="1800" dirty="0" err="1"/>
+              <a:t>ReLU</a:t>
+            </a:r>
+            <a:r>
+              <a:rPr lang="en-US" altLang="en-US" sz="1800" dirty="0"/>
+              <a:t> replaces tanh ok? </a:t>
             </a:r>
           </a:p>
         </p:txBody>
